--- a/trunk/Bhago_Idea.pptx
+++ b/trunk/Bhago_Idea.pptx
@@ -5,12 +5,14 @@
     <p:sldMasterId id="2147483648" r:id="rId1"/>
   </p:sldMasterIdLst>
   <p:sldIdLst>
-    <p:sldId id="256" r:id="rId2"/>
-    <p:sldId id="257" r:id="rId3"/>
-    <p:sldId id="258" r:id="rId4"/>
-    <p:sldId id="259" r:id="rId5"/>
-    <p:sldId id="260" r:id="rId6"/>
+    <p:sldId id="262" r:id="rId2"/>
+    <p:sldId id="256" r:id="rId3"/>
+    <p:sldId id="263" r:id="rId4"/>
+    <p:sldId id="257" r:id="rId5"/>
+    <p:sldId id="258" r:id="rId6"/>
     <p:sldId id="261" r:id="rId7"/>
+    <p:sldId id="260" r:id="rId8"/>
+    <p:sldId id="259" r:id="rId9"/>
   </p:sldIdLst>
   <p:sldSz cx="9144000" cy="6858000" type="screen4x3"/>
   <p:notesSz cx="6858000" cy="9144000"/>
@@ -3029,6 +3031,182 @@
 <file path=ppt/slides/slide1.xml><?xml version="1.0" encoding="utf-8"?>
 <p:sld xmlns:a="http://schemas.openxmlformats.org/drawingml/2006/main" xmlns:r="http://schemas.openxmlformats.org/officeDocument/2006/relationships" xmlns:p="http://schemas.openxmlformats.org/presentationml/2006/main">
   <p:cSld>
+    <p:spTree>
+      <p:nvGrpSpPr>
+        <p:cNvPr id="1" name=""/>
+        <p:cNvGrpSpPr/>
+        <p:nvPr/>
+      </p:nvGrpSpPr>
+      <p:grpSpPr>
+        <a:xfrm>
+          <a:off x="0" y="0"/>
+          <a:ext cx="0" cy="0"/>
+          <a:chOff x="0" y="0"/>
+          <a:chExt cx="0" cy="0"/>
+        </a:xfrm>
+      </p:grpSpPr>
+      <p:sp>
+        <p:nvSpPr>
+          <p:cNvPr id="2" name="Title 1"/>
+          <p:cNvSpPr>
+            <a:spLocks noGrp="1"/>
+          </p:cNvSpPr>
+          <p:nvPr>
+            <p:ph type="ctrTitle"/>
+          </p:nvPr>
+        </p:nvSpPr>
+        <p:spPr>
+          <a:xfrm>
+            <a:off x="838200" y="304800"/>
+            <a:ext cx="7772400" cy="1470025"/>
+          </a:xfrm>
+        </p:spPr>
+        <p:txBody>
+          <a:bodyPr/>
+          <a:lstStyle/>
+          <a:p>
+            <a:r>
+              <a:rPr lang="en-US" dirty="0" err="1" smtClean="0">
+                <a:solidFill>
+                  <a:schemeClr val="bg1"/>
+                </a:solidFill>
+              </a:rPr>
+              <a:t>FlashBack</a:t>
+            </a:r>
+            <a:r>
+              <a:rPr lang="en-US" dirty="0" smtClean="0">
+                <a:solidFill>
+                  <a:schemeClr val="bg1"/>
+                </a:solidFill>
+              </a:rPr>
+              <a:t>……..</a:t>
+            </a:r>
+            <a:endParaRPr lang="en-US" dirty="0">
+              <a:solidFill>
+                <a:schemeClr val="bg1"/>
+              </a:solidFill>
+            </a:endParaRPr>
+          </a:p>
+        </p:txBody>
+      </p:sp>
+      <p:sp>
+        <p:nvSpPr>
+          <p:cNvPr id="3" name="Subtitle 2"/>
+          <p:cNvSpPr>
+            <a:spLocks noGrp="1"/>
+          </p:cNvSpPr>
+          <p:nvPr>
+            <p:ph type="subTitle" idx="1"/>
+          </p:nvPr>
+        </p:nvSpPr>
+        <p:spPr>
+          <a:xfrm>
+            <a:off x="-381000" y="5715000"/>
+            <a:ext cx="4953000" cy="838200"/>
+          </a:xfrm>
+        </p:spPr>
+        <p:txBody>
+          <a:bodyPr>
+            <a:normAutofit/>
+          </a:bodyPr>
+          <a:lstStyle/>
+          <a:p>
+            <a:r>
+              <a:rPr lang="en-US" sz="1400" dirty="0" smtClean="0">
+                <a:solidFill>
+                  <a:schemeClr val="bg1"/>
+                </a:solidFill>
+              </a:rPr>
+              <a:t>Prof. Srinivasan</a:t>
+            </a:r>
+          </a:p>
+          <a:p>
+            <a:r>
+              <a:rPr lang="en-US" sz="1400" dirty="0" smtClean="0">
+                <a:solidFill>
+                  <a:schemeClr val="bg1"/>
+                </a:solidFill>
+              </a:rPr>
+              <a:t>Chairman, IISC, Bangalore</a:t>
+            </a:r>
+            <a:endParaRPr lang="en-US" sz="1400" dirty="0">
+              <a:solidFill>
+                <a:schemeClr val="bg1"/>
+              </a:solidFill>
+            </a:endParaRPr>
+          </a:p>
+        </p:txBody>
+      </p:sp>
+      <p:pic>
+        <p:nvPicPr>
+          <p:cNvPr id="3074" name="Picture 2" descr="http://1.bp.blogspot.com/_Uqeg8v-9qpo/TS5ANbVk1FI/AAAAAAAAACU/8X_2fiMhU0o/s1600/Global+Warming.jpg"/>
+          <p:cNvPicPr>
+            <a:picLocks noChangeAspect="1" noChangeArrowheads="1"/>
+          </p:cNvPicPr>
+          <p:nvPr/>
+        </p:nvPicPr>
+        <p:blipFill>
+          <a:blip r:embed="rId2" cstate="print"/>
+          <a:srcRect/>
+          <a:stretch>
+            <a:fillRect/>
+          </a:stretch>
+        </p:blipFill>
+        <p:spPr bwMode="auto">
+          <a:xfrm>
+            <a:off x="3886200" y="2286000"/>
+            <a:ext cx="4355198" cy="3341861"/>
+          </a:xfrm>
+          <a:prstGeom prst="rect">
+            <a:avLst/>
+          </a:prstGeom>
+          <a:noFill/>
+        </p:spPr>
+      </p:pic>
+      <p:pic>
+        <p:nvPicPr>
+          <p:cNvPr id="3075" name="Picture 3" descr="C:\Users\mkumar\Desktop\srinivasan.jpg"/>
+          <p:cNvPicPr>
+            <a:picLocks noChangeAspect="1" noChangeArrowheads="1"/>
+          </p:cNvPicPr>
+          <p:nvPr/>
+        </p:nvPicPr>
+        <p:blipFill>
+          <a:blip r:embed="rId3" cstate="print"/>
+          <a:srcRect/>
+          <a:stretch>
+            <a:fillRect/>
+          </a:stretch>
+        </p:blipFill>
+        <p:spPr bwMode="auto">
+          <a:xfrm>
+            <a:off x="533400" y="2286000"/>
+            <a:ext cx="2877240" cy="3365500"/>
+          </a:xfrm>
+          <a:prstGeom prst="rect">
+            <a:avLst/>
+          </a:prstGeom>
+          <a:noFill/>
+        </p:spPr>
+      </p:pic>
+    </p:spTree>
+  </p:cSld>
+  <p:clrMapOvr>
+    <a:masterClrMapping/>
+  </p:clrMapOvr>
+  <p:timing>
+    <p:tnLst>
+      <p:par>
+        <p:cTn id="1" dur="indefinite" restart="never" nodeType="tmRoot"/>
+      </p:par>
+    </p:tnLst>
+  </p:timing>
+</p:sld>
+</file>
+
+<file path=ppt/slides/slide2.xml><?xml version="1.0" encoding="utf-8"?>
+<p:sld xmlns:a="http://schemas.openxmlformats.org/drawingml/2006/main" xmlns:r="http://schemas.openxmlformats.org/officeDocument/2006/relationships" xmlns:p="http://schemas.openxmlformats.org/presentationml/2006/main">
+  <p:cSld>
     <p:bg>
       <p:bgPr>
         <a:solidFill>
@@ -3077,7 +3255,7 @@
                   <a:schemeClr val="bg1"/>
                 </a:solidFill>
               </a:rPr>
-              <a:t>Bhagooo</a:t>
+              <a:t>Bhago</a:t>
             </a:r>
             <a:r>
               <a:rPr lang="en-US" dirty="0" smtClean="0">
@@ -3262,166 +3440,6 @@
 </p:sld>
 </file>
 
-<file path=ppt/slides/slide2.xml><?xml version="1.0" encoding="utf-8"?>
-<p:sld xmlns:a="http://schemas.openxmlformats.org/drawingml/2006/main" xmlns:r="http://schemas.openxmlformats.org/officeDocument/2006/relationships" xmlns:p="http://schemas.openxmlformats.org/presentationml/2006/main">
-  <p:cSld>
-    <p:spTree>
-      <p:nvGrpSpPr>
-        <p:cNvPr id="1" name=""/>
-        <p:cNvGrpSpPr/>
-        <p:nvPr/>
-      </p:nvGrpSpPr>
-      <p:grpSpPr>
-        <a:xfrm>
-          <a:off x="0" y="0"/>
-          <a:ext cx="0" cy="0"/>
-          <a:chOff x="0" y="0"/>
-          <a:chExt cx="0" cy="0"/>
-        </a:xfrm>
-      </p:grpSpPr>
-      <p:sp>
-        <p:nvSpPr>
-          <p:cNvPr id="2" name="Title 1"/>
-          <p:cNvSpPr>
-            <a:spLocks noGrp="1"/>
-          </p:cNvSpPr>
-          <p:nvPr>
-            <p:ph type="title"/>
-          </p:nvPr>
-        </p:nvSpPr>
-        <p:spPr/>
-        <p:txBody>
-          <a:bodyPr/>
-          <a:lstStyle/>
-          <a:p>
-            <a:r>
-              <a:rPr lang="en-US" dirty="0" smtClean="0">
-                <a:solidFill>
-                  <a:schemeClr val="bg1"/>
-                </a:solidFill>
-              </a:rPr>
-              <a:t>Idea	</a:t>
-            </a:r>
-            <a:endParaRPr lang="en-US" dirty="0">
-              <a:solidFill>
-                <a:schemeClr val="bg1"/>
-              </a:solidFill>
-            </a:endParaRPr>
-          </a:p>
-        </p:txBody>
-      </p:sp>
-      <p:sp>
-        <p:nvSpPr>
-          <p:cNvPr id="3" name="Content Placeholder 2"/>
-          <p:cNvSpPr>
-            <a:spLocks noGrp="1"/>
-          </p:cNvSpPr>
-          <p:nvPr>
-            <p:ph idx="1"/>
-          </p:nvPr>
-        </p:nvSpPr>
-        <p:spPr/>
-        <p:txBody>
-          <a:bodyPr/>
-          <a:lstStyle/>
-          <a:p>
-            <a:r>
-              <a:rPr lang="en-US" dirty="0" smtClean="0">
-                <a:solidFill>
-                  <a:schemeClr val="bg1"/>
-                </a:solidFill>
-              </a:rPr>
-              <a:t>A game simulating Natural Disasters (</a:t>
-            </a:r>
-            <a:r>
-              <a:rPr lang="en-US" dirty="0" smtClean="0">
-                <a:solidFill>
-                  <a:schemeClr val="bg1"/>
-                </a:solidFill>
-              </a:rPr>
-              <a:t>sea level rising , </a:t>
-            </a:r>
-            <a:r>
-              <a:rPr lang="en-US" dirty="0" smtClean="0">
-                <a:solidFill>
-                  <a:schemeClr val="bg1"/>
-                </a:solidFill>
-              </a:rPr>
-              <a:t>floods, global warming, etc..) of future.</a:t>
-            </a:r>
-          </a:p>
-          <a:p>
-            <a:endParaRPr lang="en-US" dirty="0" smtClean="0">
-              <a:solidFill>
-                <a:schemeClr val="bg1"/>
-              </a:solidFill>
-            </a:endParaRPr>
-          </a:p>
-          <a:p>
-            <a:r>
-              <a:rPr lang="en-US" dirty="0" smtClean="0">
-                <a:solidFill>
-                  <a:schemeClr val="bg1"/>
-                </a:solidFill>
-              </a:rPr>
-              <a:t>Using Real Data</a:t>
-            </a:r>
-          </a:p>
-          <a:p>
-            <a:endParaRPr lang="en-US" dirty="0" smtClean="0">
-              <a:solidFill>
-                <a:schemeClr val="bg1"/>
-              </a:solidFill>
-            </a:endParaRPr>
-          </a:p>
-          <a:p>
-            <a:r>
-              <a:rPr lang="en-US" dirty="0" smtClean="0">
-                <a:solidFill>
-                  <a:schemeClr val="bg1"/>
-                </a:solidFill>
-              </a:rPr>
-              <a:t>User runs to places and takes various actions to save himself/herself.</a:t>
-            </a:r>
-          </a:p>
-          <a:p>
-            <a:endParaRPr lang="en-US" dirty="0" smtClean="0">
-              <a:solidFill>
-                <a:schemeClr val="bg1"/>
-              </a:solidFill>
-            </a:endParaRPr>
-          </a:p>
-          <a:p>
-            <a:endParaRPr lang="en-US" dirty="0" smtClean="0">
-              <a:solidFill>
-                <a:schemeClr val="bg1"/>
-              </a:solidFill>
-            </a:endParaRPr>
-          </a:p>
-          <a:p>
-            <a:endParaRPr lang="en-US" dirty="0">
-              <a:solidFill>
-                <a:schemeClr val="bg1"/>
-              </a:solidFill>
-            </a:endParaRPr>
-          </a:p>
-        </p:txBody>
-      </p:sp>
-    </p:spTree>
-  </p:cSld>
-  <p:clrMapOvr>
-    <a:masterClrMapping/>
-  </p:clrMapOvr>
-  <p:timing>
-    <p:tnLst>
-      <p:par>
-        <p:cTn id="1" dur="indefinite" restart="never" nodeType="tmRoot"/>
-      </p:par>
-    </p:tnLst>
-  </p:timing>
-</p:sld>
-</file>
-
 <file path=ppt/slides/slide3.xml><?xml version="1.0" encoding="utf-8"?>
 <p:sld xmlns:a="http://schemas.openxmlformats.org/drawingml/2006/main" xmlns:r="http://schemas.openxmlformats.org/officeDocument/2006/relationships" xmlns:p="http://schemas.openxmlformats.org/presentationml/2006/main">
   <p:cSld>
@@ -3460,7 +3478,7 @@
                   <a:schemeClr val="bg1"/>
                 </a:solidFill>
               </a:rPr>
-              <a:t>How does it help	</a:t>
+              <a:t>Problem</a:t>
             </a:r>
             <a:endParaRPr lang="en-US" dirty="0">
               <a:solidFill>
@@ -3482,18 +3500,24 @@
         </p:nvSpPr>
         <p:spPr/>
         <p:txBody>
-          <a:bodyPr>
-            <a:normAutofit fontScale="92500" lnSpcReduction="10000"/>
-          </a:bodyPr>
+          <a:bodyPr/>
           <a:lstStyle/>
           <a:p>
             <a:r>
               <a:rPr lang="en-US" dirty="0" smtClean="0">
                 <a:solidFill>
+                  <a:srgbClr val="92D050"/>
+                </a:solidFill>
+              </a:rPr>
+              <a:t>Simulate</a:t>
+            </a:r>
+            <a:r>
+              <a:rPr lang="en-US" dirty="0" smtClean="0">
+                <a:solidFill>
                   <a:schemeClr val="bg1"/>
                 </a:solidFill>
               </a:rPr>
-              <a:t>Educate people about the ill effects of Global Warming</a:t>
+              <a:t> the future disasters by being very close to reality.</a:t>
             </a:r>
           </a:p>
           <a:p>
@@ -3507,48 +3531,22 @@
             <a:r>
               <a:rPr lang="en-US" dirty="0" smtClean="0">
                 <a:solidFill>
+                  <a:srgbClr val="92D050"/>
+                </a:solidFill>
+              </a:rPr>
+              <a:t>Motivate </a:t>
+            </a:r>
+            <a:r>
+              <a:rPr lang="en-US" dirty="0" smtClean="0">
+                <a:solidFill>
                   <a:schemeClr val="bg1"/>
                 </a:solidFill>
               </a:rPr>
-              <a:t>Motivates people to take Green Initiatives.</a:t>
-            </a:r>
-          </a:p>
-          <a:p>
-            <a:endParaRPr lang="en-US" dirty="0" smtClean="0">
-              <a:solidFill>
-                <a:schemeClr val="bg1"/>
-              </a:solidFill>
-            </a:endParaRPr>
-          </a:p>
-          <a:p>
-            <a:r>
-              <a:rPr lang="en-US" dirty="0" smtClean="0">
-                <a:solidFill>
-                  <a:schemeClr val="bg1"/>
-                </a:solidFill>
-              </a:rPr>
-              <a:t>Closes the loop on the pledges taken.</a:t>
-            </a:r>
-          </a:p>
-          <a:p>
-            <a:endParaRPr lang="en-US" dirty="0" smtClean="0">
-              <a:solidFill>
-                <a:schemeClr val="bg1"/>
-              </a:solidFill>
-            </a:endParaRPr>
-          </a:p>
-          <a:p>
-            <a:r>
-              <a:rPr lang="en-US" dirty="0" smtClean="0">
-                <a:solidFill>
-                  <a:schemeClr val="bg1"/>
-                </a:solidFill>
-              </a:rPr>
-              <a:t>Leveraging the social platform to spread awareness</a:t>
+              <a:t>people to take appropriate actions in the present.</a:t>
             </a:r>
             <a:endParaRPr lang="en-US" dirty="0">
               <a:solidFill>
-                <a:schemeClr val="bg1"/>
+                <a:srgbClr val="92D050"/>
               </a:solidFill>
             </a:endParaRPr>
           </a:p>
@@ -3607,7 +3605,7 @@
                   <a:schemeClr val="bg1"/>
                 </a:solidFill>
               </a:rPr>
-              <a:t>Current State</a:t>
+              <a:t>Idea	</a:t>
             </a:r>
             <a:endParaRPr lang="en-US" dirty="0">
               <a:solidFill>
@@ -3630,7 +3628,7 @@
         <p:spPr/>
         <p:txBody>
           <a:bodyPr>
-            <a:normAutofit fontScale="92500" lnSpcReduction="10000"/>
+            <a:normAutofit fontScale="85000" lnSpcReduction="20000"/>
           </a:bodyPr>
           <a:lstStyle/>
           <a:p>
@@ -3640,7 +3638,23 @@
                   <a:schemeClr val="bg1"/>
                 </a:solidFill>
               </a:rPr>
-              <a:t>Android Gaming App.</a:t>
+              <a:t>Build a game simulating Natural Disasters (</a:t>
+            </a:r>
+            <a:r>
+              <a:rPr lang="en-US" dirty="0" smtClean="0">
+                <a:solidFill>
+                  <a:schemeClr val="bg1"/>
+                </a:solidFill>
+              </a:rPr>
+              <a:t>sea level rising , </a:t>
+            </a:r>
+            <a:r>
+              <a:rPr lang="en-US" dirty="0" smtClean="0">
+                <a:solidFill>
+                  <a:schemeClr val="bg1"/>
+                </a:solidFill>
+              </a:rPr>
+              <a:t>floods, global warming, etc..) of future.</a:t>
             </a:r>
           </a:p>
           <a:p>
@@ -3657,7 +3671,23 @@
                   <a:schemeClr val="bg1"/>
                 </a:solidFill>
               </a:rPr>
-              <a:t>Only natural disaster considered is Sea Level Rising.</a:t>
+              <a:t>In this game, a user is placed in a location with a natural </a:t>
+            </a:r>
+            <a:r>
+              <a:rPr lang="en-US" dirty="0" err="1" smtClean="0">
+                <a:solidFill>
+                  <a:schemeClr val="bg1"/>
+                </a:solidFill>
+              </a:rPr>
+              <a:t>disater</a:t>
+            </a:r>
+            <a:r>
+              <a:rPr lang="en-US" dirty="0" smtClean="0">
+                <a:solidFill>
+                  <a:schemeClr val="bg1"/>
+                </a:solidFill>
+              </a:rPr>
+              <a:t> and the goal is to save his life.</a:t>
             </a:r>
           </a:p>
           <a:p>
@@ -3674,23 +3704,76 @@
                   <a:schemeClr val="bg1"/>
                 </a:solidFill>
               </a:rPr>
-              <a:t>Data used from Google Maps </a:t>
-            </a:r>
-            <a:r>
-              <a:rPr lang="en-US" dirty="0" err="1" smtClean="0">
+              <a:t>User </a:t>
+            </a:r>
+            <a:r>
+              <a:rPr lang="en-US" dirty="0" smtClean="0">
+                <a:solidFill>
+                  <a:schemeClr val="accent3">
+                    <a:lumMod val="75000"/>
+                  </a:schemeClr>
+                </a:solidFill>
+              </a:rPr>
+              <a:t>runs to places </a:t>
+            </a:r>
+            <a:r>
+              <a:rPr lang="en-US" dirty="0" smtClean="0">
                 <a:solidFill>
                   <a:schemeClr val="bg1"/>
                 </a:solidFill>
               </a:rPr>
-              <a:t>Apis</a:t>
+              <a:t>and takes </a:t>
             </a:r>
             <a:r>
               <a:rPr lang="en-US" dirty="0" smtClean="0">
                 <a:solidFill>
+                  <a:schemeClr val="accent3">
+                    <a:lumMod val="75000"/>
+                  </a:schemeClr>
+                </a:solidFill>
+              </a:rPr>
+              <a:t>various pledges </a:t>
+            </a:r>
+            <a:r>
+              <a:rPr lang="en-US" dirty="0" smtClean="0">
+                <a:solidFill>
                   <a:schemeClr val="bg1"/>
                 </a:solidFill>
               </a:rPr>
-              <a:t> for locations.</a:t>
+              <a:t>to save himself.</a:t>
+            </a:r>
+          </a:p>
+          <a:p>
+            <a:endParaRPr lang="en-US" dirty="0">
+              <a:solidFill>
+                <a:schemeClr val="bg1"/>
+              </a:solidFill>
+            </a:endParaRPr>
+          </a:p>
+          <a:p>
+            <a:r>
+              <a:rPr lang="en-US" dirty="0" smtClean="0">
+                <a:solidFill>
+                  <a:schemeClr val="bg1"/>
+                </a:solidFill>
+              </a:rPr>
+              <a:t>Game makes </a:t>
+            </a:r>
+            <a:r>
+              <a:rPr lang="en-US" dirty="0" smtClean="0">
+                <a:solidFill>
+                  <a:schemeClr val="bg1"/>
+                </a:solidFill>
+              </a:rPr>
+              <a:t>use of </a:t>
+            </a:r>
+            <a:r>
+              <a:rPr lang="en-US" dirty="0" smtClean="0">
+                <a:solidFill>
+                  <a:schemeClr val="bg1"/>
+                </a:solidFill>
+              </a:rPr>
+              <a:t>Real Data ( like Elevation, geo locations, geo conditions etc)</a:t>
             </a:r>
           </a:p>
           <a:p>
@@ -3699,16 +3782,6 @@
                 <a:schemeClr val="bg1"/>
               </a:solidFill>
             </a:endParaRPr>
-          </a:p>
-          <a:p>
-            <a:r>
-              <a:rPr lang="en-US" dirty="0" smtClean="0">
-                <a:solidFill>
-                  <a:schemeClr val="bg1"/>
-                </a:solidFill>
-              </a:rPr>
-              <a:t>Data used from http://gpsvisualiser.com for elevations</a:t>
-            </a:r>
           </a:p>
           <a:p>
             <a:endParaRPr lang="en-US" dirty="0" smtClean="0">
@@ -3786,7 +3859,7 @@
                   <a:schemeClr val="bg1"/>
                 </a:solidFill>
               </a:rPr>
-              <a:t>Future Plans</a:t>
+              <a:t>How does it help	</a:t>
             </a:r>
             <a:endParaRPr lang="en-US" dirty="0">
               <a:solidFill>
@@ -3809,7 +3882,7 @@
         <p:spPr/>
         <p:txBody>
           <a:bodyPr>
-            <a:normAutofit lnSpcReduction="10000"/>
+            <a:normAutofit fontScale="92500" lnSpcReduction="10000"/>
           </a:bodyPr>
           <a:lstStyle/>
           <a:p>
@@ -3819,7 +3892,7 @@
                   <a:schemeClr val="bg1"/>
                 </a:solidFill>
               </a:rPr>
-              <a:t>Completion of Android App</a:t>
+              <a:t>Educate people about the ill effects of Global Warming</a:t>
             </a:r>
           </a:p>
           <a:p>
@@ -3831,20 +3904,12 @@
           </a:p>
           <a:p>
             <a:r>
-              <a:rPr lang="en-US" dirty="0" err="1" smtClean="0">
+              <a:rPr lang="en-US" dirty="0" smtClean="0">
                 <a:solidFill>
                   <a:schemeClr val="bg1"/>
                 </a:solidFill>
               </a:rPr>
-              <a:t>IPhone</a:t>
-            </a:r>
-            <a:r>
-              <a:rPr lang="en-US" dirty="0" smtClean="0">
-                <a:solidFill>
-                  <a:schemeClr val="bg1"/>
-                </a:solidFill>
-              </a:rPr>
-              <a:t> App</a:t>
+              <a:t>Motivates people to take Green Initiatives.</a:t>
             </a:r>
           </a:p>
           <a:p>
@@ -3861,7 +3926,7 @@
                   <a:schemeClr val="bg1"/>
                 </a:solidFill>
               </a:rPr>
-              <a:t>Include more simulations for various natural Disasters</a:t>
+              <a:t>Closes the loop on the pledges taken.</a:t>
             </a:r>
           </a:p>
           <a:p>
@@ -3878,10 +3943,8 @@
                   <a:schemeClr val="bg1"/>
                 </a:solidFill>
               </a:rPr>
-              <a:t>Sharing on social communities</a:t>
-            </a:r>
-          </a:p>
-          <a:p>
+              <a:t>Leveraging the social platform to spread awareness</a:t>
+            </a:r>
             <a:endParaRPr lang="en-US" dirty="0">
               <a:solidFill>
                 <a:schemeClr val="bg1"/>
@@ -3994,6 +4057,342 @@
               </a:rPr>
               <a:t>Demo</a:t>
             </a:r>
+          </a:p>
+          <a:p>
+            <a:endParaRPr lang="en-US" dirty="0">
+              <a:solidFill>
+                <a:schemeClr val="bg1"/>
+              </a:solidFill>
+            </a:endParaRPr>
+          </a:p>
+        </p:txBody>
+      </p:sp>
+    </p:spTree>
+  </p:cSld>
+  <p:clrMapOvr>
+    <a:masterClrMapping/>
+  </p:clrMapOvr>
+  <p:timing>
+    <p:tnLst>
+      <p:par>
+        <p:cTn id="1" dur="indefinite" restart="never" nodeType="tmRoot"/>
+      </p:par>
+    </p:tnLst>
+  </p:timing>
+</p:sld>
+</file>
+
+<file path=ppt/slides/slide7.xml><?xml version="1.0" encoding="utf-8"?>
+<p:sld xmlns:a="http://schemas.openxmlformats.org/drawingml/2006/main" xmlns:r="http://schemas.openxmlformats.org/officeDocument/2006/relationships" xmlns:p="http://schemas.openxmlformats.org/presentationml/2006/main">
+  <p:cSld>
+    <p:spTree>
+      <p:nvGrpSpPr>
+        <p:cNvPr id="1" name=""/>
+        <p:cNvGrpSpPr/>
+        <p:nvPr/>
+      </p:nvGrpSpPr>
+      <p:grpSpPr>
+        <a:xfrm>
+          <a:off x="0" y="0"/>
+          <a:ext cx="0" cy="0"/>
+          <a:chOff x="0" y="0"/>
+          <a:chExt cx="0" cy="0"/>
+        </a:xfrm>
+      </p:grpSpPr>
+      <p:sp>
+        <p:nvSpPr>
+          <p:cNvPr id="2" name="Title 1"/>
+          <p:cNvSpPr>
+            <a:spLocks noGrp="1"/>
+          </p:cNvSpPr>
+          <p:nvPr>
+            <p:ph type="title"/>
+          </p:nvPr>
+        </p:nvSpPr>
+        <p:spPr/>
+        <p:txBody>
+          <a:bodyPr/>
+          <a:lstStyle/>
+          <a:p>
+            <a:r>
+              <a:rPr lang="en-US" dirty="0" smtClean="0">
+                <a:solidFill>
+                  <a:schemeClr val="bg1"/>
+                </a:solidFill>
+              </a:rPr>
+              <a:t>Future Plans</a:t>
+            </a:r>
+            <a:endParaRPr lang="en-US" dirty="0">
+              <a:solidFill>
+                <a:schemeClr val="bg1"/>
+              </a:solidFill>
+            </a:endParaRPr>
+          </a:p>
+        </p:txBody>
+      </p:sp>
+      <p:sp>
+        <p:nvSpPr>
+          <p:cNvPr id="3" name="Content Placeholder 2"/>
+          <p:cNvSpPr>
+            <a:spLocks noGrp="1"/>
+          </p:cNvSpPr>
+          <p:nvPr>
+            <p:ph idx="1"/>
+          </p:nvPr>
+        </p:nvSpPr>
+        <p:spPr/>
+        <p:txBody>
+          <a:bodyPr>
+            <a:normAutofit lnSpcReduction="10000"/>
+          </a:bodyPr>
+          <a:lstStyle/>
+          <a:p>
+            <a:r>
+              <a:rPr lang="en-US" dirty="0" smtClean="0">
+                <a:solidFill>
+                  <a:schemeClr val="bg1"/>
+                </a:solidFill>
+              </a:rPr>
+              <a:t>Completion of Android App</a:t>
+            </a:r>
+          </a:p>
+          <a:p>
+            <a:endParaRPr lang="en-US" dirty="0" smtClean="0">
+              <a:solidFill>
+                <a:schemeClr val="bg1"/>
+              </a:solidFill>
+            </a:endParaRPr>
+          </a:p>
+          <a:p>
+            <a:r>
+              <a:rPr lang="en-US" dirty="0" err="1" smtClean="0">
+                <a:solidFill>
+                  <a:schemeClr val="bg1"/>
+                </a:solidFill>
+              </a:rPr>
+              <a:t>IPhone</a:t>
+            </a:r>
+            <a:r>
+              <a:rPr lang="en-US" dirty="0" smtClean="0">
+                <a:solidFill>
+                  <a:schemeClr val="bg1"/>
+                </a:solidFill>
+              </a:rPr>
+              <a:t> App</a:t>
+            </a:r>
+          </a:p>
+          <a:p>
+            <a:endParaRPr lang="en-US" dirty="0" smtClean="0">
+              <a:solidFill>
+                <a:schemeClr val="bg1"/>
+              </a:solidFill>
+            </a:endParaRPr>
+          </a:p>
+          <a:p>
+            <a:r>
+              <a:rPr lang="en-US" dirty="0" smtClean="0">
+                <a:solidFill>
+                  <a:schemeClr val="bg1"/>
+                </a:solidFill>
+              </a:rPr>
+              <a:t>Include more simulations for various natural Disasters</a:t>
+            </a:r>
+          </a:p>
+          <a:p>
+            <a:endParaRPr lang="en-US" dirty="0" smtClean="0">
+              <a:solidFill>
+                <a:schemeClr val="bg1"/>
+              </a:solidFill>
+            </a:endParaRPr>
+          </a:p>
+          <a:p>
+            <a:r>
+              <a:rPr lang="en-US" dirty="0" smtClean="0">
+                <a:solidFill>
+                  <a:schemeClr val="bg1"/>
+                </a:solidFill>
+              </a:rPr>
+              <a:t>Sharing on social communities</a:t>
+            </a:r>
+          </a:p>
+          <a:p>
+            <a:endParaRPr lang="en-US" dirty="0">
+              <a:solidFill>
+                <a:schemeClr val="bg1"/>
+              </a:solidFill>
+            </a:endParaRPr>
+          </a:p>
+        </p:txBody>
+      </p:sp>
+    </p:spTree>
+  </p:cSld>
+  <p:clrMapOvr>
+    <a:masterClrMapping/>
+  </p:clrMapOvr>
+  <p:timing>
+    <p:tnLst>
+      <p:par>
+        <p:cTn id="1" dur="indefinite" restart="never" nodeType="tmRoot"/>
+      </p:par>
+    </p:tnLst>
+  </p:timing>
+</p:sld>
+</file>
+
+<file path=ppt/slides/slide8.xml><?xml version="1.0" encoding="utf-8"?>
+<p:sld xmlns:a="http://schemas.openxmlformats.org/drawingml/2006/main" xmlns:r="http://schemas.openxmlformats.org/officeDocument/2006/relationships" xmlns:p="http://schemas.openxmlformats.org/presentationml/2006/main">
+  <p:cSld>
+    <p:spTree>
+      <p:nvGrpSpPr>
+        <p:cNvPr id="1" name=""/>
+        <p:cNvGrpSpPr/>
+        <p:nvPr/>
+      </p:nvGrpSpPr>
+      <p:grpSpPr>
+        <a:xfrm>
+          <a:off x="0" y="0"/>
+          <a:ext cx="0" cy="0"/>
+          <a:chOff x="0" y="0"/>
+          <a:chExt cx="0" cy="0"/>
+        </a:xfrm>
+      </p:grpSpPr>
+      <p:sp>
+        <p:nvSpPr>
+          <p:cNvPr id="2" name="Title 1"/>
+          <p:cNvSpPr>
+            <a:spLocks noGrp="1"/>
+          </p:cNvSpPr>
+          <p:nvPr>
+            <p:ph type="title"/>
+          </p:nvPr>
+        </p:nvSpPr>
+        <p:spPr/>
+        <p:txBody>
+          <a:bodyPr/>
+          <a:lstStyle/>
+          <a:p>
+            <a:r>
+              <a:rPr lang="en-US" dirty="0" smtClean="0">
+                <a:solidFill>
+                  <a:schemeClr val="bg1"/>
+                </a:solidFill>
+              </a:rPr>
+              <a:t>Current State</a:t>
+            </a:r>
+            <a:endParaRPr lang="en-US" dirty="0">
+              <a:solidFill>
+                <a:schemeClr val="bg1"/>
+              </a:solidFill>
+            </a:endParaRPr>
+          </a:p>
+        </p:txBody>
+      </p:sp>
+      <p:sp>
+        <p:nvSpPr>
+          <p:cNvPr id="3" name="Content Placeholder 2"/>
+          <p:cNvSpPr>
+            <a:spLocks noGrp="1"/>
+          </p:cNvSpPr>
+          <p:nvPr>
+            <p:ph idx="1"/>
+          </p:nvPr>
+        </p:nvSpPr>
+        <p:spPr/>
+        <p:txBody>
+          <a:bodyPr>
+            <a:normAutofit fontScale="92500" lnSpcReduction="10000"/>
+          </a:bodyPr>
+          <a:lstStyle/>
+          <a:p>
+            <a:r>
+              <a:rPr lang="en-US" dirty="0" smtClean="0">
+                <a:solidFill>
+                  <a:schemeClr val="bg1"/>
+                </a:solidFill>
+              </a:rPr>
+              <a:t>Android Gaming App.</a:t>
+            </a:r>
+          </a:p>
+          <a:p>
+            <a:endParaRPr lang="en-US" dirty="0" smtClean="0">
+              <a:solidFill>
+                <a:schemeClr val="bg1"/>
+              </a:solidFill>
+            </a:endParaRPr>
+          </a:p>
+          <a:p>
+            <a:r>
+              <a:rPr lang="en-US" dirty="0" smtClean="0">
+                <a:solidFill>
+                  <a:schemeClr val="bg1"/>
+                </a:solidFill>
+              </a:rPr>
+              <a:t>Only natural disaster considered is Sea Level Rising.</a:t>
+            </a:r>
+          </a:p>
+          <a:p>
+            <a:endParaRPr lang="en-US" dirty="0" smtClean="0">
+              <a:solidFill>
+                <a:schemeClr val="bg1"/>
+              </a:solidFill>
+            </a:endParaRPr>
+          </a:p>
+          <a:p>
+            <a:r>
+              <a:rPr lang="en-US" dirty="0" smtClean="0">
+                <a:solidFill>
+                  <a:schemeClr val="bg1"/>
+                </a:solidFill>
+              </a:rPr>
+              <a:t>Data used from Google Maps </a:t>
+            </a:r>
+            <a:r>
+              <a:rPr lang="en-US" dirty="0" err="1" smtClean="0">
+                <a:solidFill>
+                  <a:schemeClr val="bg1"/>
+                </a:solidFill>
+              </a:rPr>
+              <a:t>Apis</a:t>
+            </a:r>
+            <a:r>
+              <a:rPr lang="en-US" dirty="0" smtClean="0">
+                <a:solidFill>
+                  <a:schemeClr val="bg1"/>
+                </a:solidFill>
+              </a:rPr>
+              <a:t> for locations.</a:t>
+            </a:r>
+          </a:p>
+          <a:p>
+            <a:endParaRPr lang="en-US" dirty="0" smtClean="0">
+              <a:solidFill>
+                <a:schemeClr val="bg1"/>
+              </a:solidFill>
+            </a:endParaRPr>
+          </a:p>
+          <a:p>
+            <a:r>
+              <a:rPr lang="en-US" dirty="0" smtClean="0">
+                <a:solidFill>
+                  <a:schemeClr val="bg1"/>
+                </a:solidFill>
+              </a:rPr>
+              <a:t>Data used from http://gpsvisualiser.com for elevations</a:t>
+            </a:r>
+          </a:p>
+          <a:p>
+            <a:endParaRPr lang="en-US" dirty="0" smtClean="0">
+              <a:solidFill>
+                <a:schemeClr val="bg1"/>
+              </a:solidFill>
+            </a:endParaRPr>
+          </a:p>
+          <a:p>
+            <a:endParaRPr lang="en-US" dirty="0" smtClean="0">
+              <a:solidFill>
+                <a:schemeClr val="bg1"/>
+              </a:solidFill>
+            </a:endParaRPr>
           </a:p>
           <a:p>
             <a:endParaRPr lang="en-US" dirty="0">
